--- a/Project5-Capstone/yehui_he/twitter_meet_brexit.pptx
+++ b/Project5-Capstone/yehui_he/twitter_meet_brexit.pptx
@@ -13414,6 +13414,13 @@
   <p:clrMapOvr>
     <a:masterClrMapping/>
   </p:clrMapOvr>
+  <p:timing>
+    <p:tnLst>
+      <p:par>
+        <p:cTn xmlns:p14="http://schemas.microsoft.com/office/powerpoint/2010/main" id="1" dur="indefinite" restart="never" nodeType="tmRoot"/>
+      </p:par>
+    </p:tnLst>
+  </p:timing>
 </p:sld>
 </file>
 
@@ -13600,29 +13607,6 @@
       </p:sp>
       <p:sp>
         <p:nvSpPr>
-          <p:cNvPr id="5" name="Date Placeholder 4"/>
-          <p:cNvSpPr>
-            <a:spLocks noGrp="1"/>
-          </p:cNvSpPr>
-          <p:nvPr>
-            <p:ph type="dt" sz="half" idx="10"/>
-          </p:nvPr>
-        </p:nvSpPr>
-        <p:spPr/>
-        <p:txBody>
-          <a:bodyPr/>
-          <a:lstStyle/>
-          <a:p>
-            <a:fld id="{3972987B-8CA6-4466-A3FD-87AD3577DC94}" type="datetime1">
-              <a:rPr lang="en-US" smtClean="0"/>
-              <a:t>12/21/16</a:t>
-            </a:fld>
-            <a:endParaRPr lang="en-US"/>
-          </a:p>
-        </p:txBody>
-      </p:sp>
-      <p:sp>
-        <p:nvSpPr>
           <p:cNvPr id="6" name="Footer Placeholder 5"/>
           <p:cNvSpPr>
             <a:spLocks noGrp="1"/>
@@ -13677,6 +13661,13 @@
   <p:clrMapOvr>
     <a:masterClrMapping/>
   </p:clrMapOvr>
+  <p:timing>
+    <p:tnLst>
+      <p:par>
+        <p:cTn xmlns:p14="http://schemas.microsoft.com/office/powerpoint/2010/main" id="1" dur="indefinite" restart="never" nodeType="tmRoot"/>
+      </p:par>
+    </p:tnLst>
+  </p:timing>
 </p:sld>
 </file>
 
@@ -14145,6 +14136,13 @@
   <p:clrMapOvr>
     <a:masterClrMapping/>
   </p:clrMapOvr>
+  <p:timing>
+    <p:tnLst>
+      <p:par>
+        <p:cTn xmlns:p14="http://schemas.microsoft.com/office/powerpoint/2010/main" id="1" dur="indefinite" restart="never" nodeType="tmRoot"/>
+      </p:par>
+    </p:tnLst>
+  </p:timing>
 </p:sld>
 </file>
 
@@ -14783,29 +14781,6 @@
       </p:graphicFrame>
       <p:sp>
         <p:nvSpPr>
-          <p:cNvPr id="5" name="Date Placeholder 4"/>
-          <p:cNvSpPr>
-            <a:spLocks noGrp="1"/>
-          </p:cNvSpPr>
-          <p:nvPr>
-            <p:ph type="dt" sz="half" idx="10"/>
-          </p:nvPr>
-        </p:nvSpPr>
-        <p:spPr/>
-        <p:txBody>
-          <a:bodyPr/>
-          <a:lstStyle/>
-          <a:p>
-            <a:fld id="{3972987B-8CA6-4466-A3FD-87AD3577DC94}" type="datetime1">
-              <a:rPr lang="en-US" smtClean="0"/>
-              <a:t>12/21/16</a:t>
-            </a:fld>
-            <a:endParaRPr lang="en-US"/>
-          </a:p>
-        </p:txBody>
-      </p:sp>
-      <p:sp>
-        <p:nvSpPr>
           <p:cNvPr id="6" name="Footer Placeholder 5"/>
           <p:cNvSpPr>
             <a:spLocks noGrp="1"/>
@@ -14860,6 +14835,13 @@
   <p:clrMapOvr>
     <a:masterClrMapping/>
   </p:clrMapOvr>
+  <p:timing>
+    <p:tnLst>
+      <p:par>
+        <p:cTn xmlns:p14="http://schemas.microsoft.com/office/powerpoint/2010/main" id="1" dur="indefinite" restart="never" nodeType="tmRoot"/>
+      </p:par>
+    </p:tnLst>
+  </p:timing>
 </p:sld>
 </file>
 
@@ -14965,29 +14947,6 @@
           </a:p>
           <a:p>
             <a:endParaRPr lang="en-US" dirty="0" smtClean="0"/>
-          </a:p>
-        </p:txBody>
-      </p:sp>
-      <p:sp>
-        <p:nvSpPr>
-          <p:cNvPr id="4" name="Date Placeholder 3"/>
-          <p:cNvSpPr>
-            <a:spLocks noGrp="1"/>
-          </p:cNvSpPr>
-          <p:nvPr>
-            <p:ph type="dt" sz="half" idx="10"/>
-          </p:nvPr>
-        </p:nvSpPr>
-        <p:spPr/>
-        <p:txBody>
-          <a:bodyPr/>
-          <a:lstStyle/>
-          <a:p>
-            <a:fld id="{7BA05A5A-F8FD-4D20-8BB7-68CE9134727F}" type="datetime1">
-              <a:rPr lang="en-US" smtClean="0"/>
-              <a:t>12/21/16</a:t>
-            </a:fld>
-            <a:endParaRPr lang="en-US"/>
           </a:p>
         </p:txBody>
       </p:sp>
@@ -15513,29 +15472,6 @@
           </a:graphicData>
         </a:graphic>
       </p:graphicFrame>
-      <p:sp>
-        <p:nvSpPr>
-          <p:cNvPr id="6" name="Date Placeholder 5"/>
-          <p:cNvSpPr>
-            <a:spLocks noGrp="1"/>
-          </p:cNvSpPr>
-          <p:nvPr>
-            <p:ph type="dt" sz="half" idx="10"/>
-          </p:nvPr>
-        </p:nvSpPr>
-        <p:spPr/>
-        <p:txBody>
-          <a:bodyPr/>
-          <a:lstStyle/>
-          <a:p>
-            <a:fld id="{85CFC7C5-0EA7-43D3-B692-D44EBFB389AE}" type="datetime1">
-              <a:rPr lang="en-US" smtClean="0"/>
-              <a:t>12/21/16</a:t>
-            </a:fld>
-            <a:endParaRPr lang="en-US"/>
-          </a:p>
-        </p:txBody>
-      </p:sp>
       <p:sp>
         <p:nvSpPr>
           <p:cNvPr id="7" name="Footer Placeholder 6"/>
@@ -16140,29 +16076,6 @@
       </p:sp>
       <p:sp>
         <p:nvSpPr>
-          <p:cNvPr id="5" name="Date Placeholder 4"/>
-          <p:cNvSpPr>
-            <a:spLocks noGrp="1"/>
-          </p:cNvSpPr>
-          <p:nvPr>
-            <p:ph type="dt" sz="half" idx="10"/>
-          </p:nvPr>
-        </p:nvSpPr>
-        <p:spPr/>
-        <p:txBody>
-          <a:bodyPr/>
-          <a:lstStyle/>
-          <a:p>
-            <a:fld id="{3972987B-8CA6-4466-A3FD-87AD3577DC94}" type="datetime1">
-              <a:rPr lang="en-US" smtClean="0"/>
-              <a:t>12/21/16</a:t>
-            </a:fld>
-            <a:endParaRPr lang="en-US"/>
-          </a:p>
-        </p:txBody>
-      </p:sp>
-      <p:sp>
-        <p:nvSpPr>
           <p:cNvPr id="6" name="Footer Placeholder 5"/>
           <p:cNvSpPr>
             <a:spLocks noGrp="1"/>
@@ -16217,6 +16130,13 @@
   <p:clrMapOvr>
     <a:masterClrMapping/>
   </p:clrMapOvr>
+  <p:timing>
+    <p:tnLst>
+      <p:par>
+        <p:cTn xmlns:p14="http://schemas.microsoft.com/office/powerpoint/2010/main" id="1" dur="indefinite" restart="never" nodeType="tmRoot"/>
+      </p:par>
+    </p:tnLst>
+  </p:timing>
 </p:sld>
 </file>
 
@@ -17689,6 +17609,13 @@
   <p:clrMapOvr>
     <a:masterClrMapping/>
   </p:clrMapOvr>
+  <p:timing>
+    <p:tnLst>
+      <p:par>
+        <p:cTn xmlns:p14="http://schemas.microsoft.com/office/powerpoint/2010/main" id="1" dur="indefinite" restart="never" nodeType="tmRoot"/>
+      </p:par>
+    </p:tnLst>
+  </p:timing>
 </p:sld>
 </file>
 
@@ -18181,25 +18108,6 @@
       </p:sp>
       <p:sp>
         <p:nvSpPr>
-          <p:cNvPr id="5" name="Date Placeholder 4"/>
-          <p:cNvSpPr>
-            <a:spLocks noGrp="1"/>
-          </p:cNvSpPr>
-          <p:nvPr>
-            <p:ph type="dt" sz="half" idx="10"/>
-          </p:nvPr>
-        </p:nvSpPr>
-        <p:spPr/>
-        <p:txBody>
-          <a:bodyPr/>
-          <a:lstStyle/>
-          <a:p>
-            <a:endParaRPr lang="en-US" dirty="0"/>
-          </a:p>
-        </p:txBody>
-      </p:sp>
-      <p:sp>
-        <p:nvSpPr>
           <p:cNvPr id="6" name="Footer Placeholder 5"/>
           <p:cNvSpPr>
             <a:spLocks noGrp="1"/>
@@ -18254,6 +18162,13 @@
   <p:clrMapOvr>
     <a:masterClrMapping/>
   </p:clrMapOvr>
+  <p:timing>
+    <p:tnLst>
+      <p:par>
+        <p:cTn xmlns:p14="http://schemas.microsoft.com/office/powerpoint/2010/main" id="1" dur="indefinite" restart="never" nodeType="tmRoot"/>
+      </p:par>
+    </p:tnLst>
+  </p:timing>
 </p:sld>
 </file>
 
@@ -18595,29 +18510,6 @@
       </p:sp>
       <p:sp>
         <p:nvSpPr>
-          <p:cNvPr id="5" name="Date Placeholder 4"/>
-          <p:cNvSpPr>
-            <a:spLocks noGrp="1"/>
-          </p:cNvSpPr>
-          <p:nvPr>
-            <p:ph type="dt" sz="half" idx="10"/>
-          </p:nvPr>
-        </p:nvSpPr>
-        <p:spPr/>
-        <p:txBody>
-          <a:bodyPr/>
-          <a:lstStyle/>
-          <a:p>
-            <a:fld id="{3972987B-8CA6-4466-A3FD-87AD3577DC94}" type="datetime1">
-              <a:rPr lang="en-US" smtClean="0"/>
-              <a:t>12/21/16</a:t>
-            </a:fld>
-            <a:endParaRPr lang="en-US"/>
-          </a:p>
-        </p:txBody>
-      </p:sp>
-      <p:sp>
-        <p:nvSpPr>
           <p:cNvPr id="6" name="Footer Placeholder 5"/>
           <p:cNvSpPr>
             <a:spLocks noGrp="1"/>
@@ -18672,6 +18564,13 @@
   <p:clrMapOvr>
     <a:masterClrMapping/>
   </p:clrMapOvr>
+  <p:timing>
+    <p:tnLst>
+      <p:par>
+        <p:cTn xmlns:p14="http://schemas.microsoft.com/office/powerpoint/2010/main" id="1" dur="indefinite" restart="never" nodeType="tmRoot"/>
+      </p:par>
+    </p:tnLst>
+  </p:timing>
 </p:sld>
 </file>
 
